--- a/Swingプレゼン資料.pptx
+++ b/Swingプレゼン資料.pptx
@@ -115,6 +115,11 @@
       </a:defRPr>
     </a:lvl9pPr>
   </p:defaultTextStyle>
+  <p:extLst>
+    <p:ext uri="{EFAFB233-063F-42B5-8137-9DF3F51BA10A}">
+      <p15:sldGuideLst xmlns:p15="http://schemas.microsoft.com/office/powerpoint/2012/main"/>
+    </p:ext>
+  </p:extLst>
 </p:presentation>
 </file>
 
@@ -212,7 +217,7 @@
           <a:p>
             <a:fld id="{8FA6F47A-8BA3-4054-BFA3-BDE28CDE6C07}" type="datetimeFigureOut">
               <a:rPr kumimoji="1" lang="ja-JP" altLang="en-US" smtClean="0"/>
-              <a:t>2020/11/15</a:t>
+              <a:t>2020/11/16</a:t>
             </a:fld>
             <a:endParaRPr kumimoji="1" lang="ja-JP" altLang="en-US"/>
           </a:p>
@@ -555,6 +560,90 @@
           <a:bodyPr/>
           <a:lstStyle/>
           <a:p>
+            <a:endParaRPr kumimoji="1" lang="ja-JP" altLang="en-US" dirty="0"/>
+          </a:p>
+        </p:txBody>
+      </p:sp>
+      <p:sp>
+        <p:nvSpPr>
+          <p:cNvPr id="4" name="スライド番号プレースホルダー 3"/>
+          <p:cNvSpPr>
+            <a:spLocks noGrp="1"/>
+          </p:cNvSpPr>
+          <p:nvPr>
+            <p:ph type="sldNum" sz="quarter" idx="5"/>
+          </p:nvPr>
+        </p:nvSpPr>
+        <p:spPr/>
+        <p:txBody>
+          <a:bodyPr/>
+          <a:lstStyle/>
+          <a:p>
+            <a:fld id="{64A63E64-0AFF-46C1-8EEA-9A23A7AFE6B6}" type="slidenum">
+              <a:rPr kumimoji="1" lang="ja-JP" altLang="en-US" smtClean="0"/>
+              <a:t>1</a:t>
+            </a:fld>
+            <a:endParaRPr kumimoji="1" lang="ja-JP" altLang="en-US"/>
+          </a:p>
+        </p:txBody>
+      </p:sp>
+    </p:spTree>
+    <p:extLst>
+      <p:ext uri="{BB962C8B-B14F-4D97-AF65-F5344CB8AC3E}">
+        <p14:creationId xmlns:p14="http://schemas.microsoft.com/office/powerpoint/2010/main" val="1323572346"/>
+      </p:ext>
+    </p:extLst>
+  </p:cSld>
+  <p:clrMapOvr>
+    <a:masterClrMapping/>
+  </p:clrMapOvr>
+</p:notes>
+</file>
+
+<file path=ppt/notesSlides/notesSlide2.xml><?xml version="1.0" encoding="utf-8"?>
+<p:notes xmlns:a="http://schemas.openxmlformats.org/drawingml/2006/main" xmlns:r="http://schemas.openxmlformats.org/officeDocument/2006/relationships" xmlns:p="http://schemas.openxmlformats.org/presentationml/2006/main">
+  <p:cSld>
+    <p:spTree>
+      <p:nvGrpSpPr>
+        <p:cNvPr id="1" name=""/>
+        <p:cNvGrpSpPr/>
+        <p:nvPr/>
+      </p:nvGrpSpPr>
+      <p:grpSpPr>
+        <a:xfrm>
+          <a:off x="0" y="0"/>
+          <a:ext cx="0" cy="0"/>
+          <a:chOff x="0" y="0"/>
+          <a:chExt cx="0" cy="0"/>
+        </a:xfrm>
+      </p:grpSpPr>
+      <p:sp>
+        <p:nvSpPr>
+          <p:cNvPr id="2" name="スライド イメージ プレースホルダー 1"/>
+          <p:cNvSpPr>
+            <a:spLocks noGrp="1" noRot="1" noChangeAspect="1"/>
+          </p:cNvSpPr>
+          <p:nvPr>
+            <p:ph type="sldImg"/>
+          </p:nvPr>
+        </p:nvSpPr>
+        <p:spPr/>
+      </p:sp>
+      <p:sp>
+        <p:nvSpPr>
+          <p:cNvPr id="3" name="ノート プレースホルダー 2"/>
+          <p:cNvSpPr>
+            <a:spLocks noGrp="1"/>
+          </p:cNvSpPr>
+          <p:nvPr>
+            <p:ph type="body" idx="1"/>
+          </p:nvPr>
+        </p:nvSpPr>
+        <p:spPr/>
+        <p:txBody>
+          <a:bodyPr/>
+          <a:lstStyle/>
+          <a:p>
             <a:r>
               <a:rPr kumimoji="1" lang="en-US" altLang="ja-JP" dirty="0"/>
               <a:t>Menu</a:t>
@@ -801,7 +890,7 @@
           <a:p>
             <a:fld id="{65B910DF-B555-4D30-B35E-2297D59E32D0}" type="datetime1">
               <a:rPr lang="en-US" smtClean="0"/>
-              <a:t>11/15/2020</a:t>
+              <a:t>11/16/2020</a:t>
             </a:fld>
             <a:endParaRPr lang="en-US" dirty="0"/>
           </a:p>
@@ -1004,7 +1093,7 @@
           <a:p>
             <a:fld id="{29D1D79F-E600-4AC1-A639-0B9FB8286C38}" type="datetime1">
               <a:rPr lang="en-US" smtClean="0"/>
-              <a:t>11/15/2020</a:t>
+              <a:t>11/16/2020</a:t>
             </a:fld>
             <a:endParaRPr lang="en-US" dirty="0"/>
           </a:p>
@@ -1217,7 +1306,7 @@
           <a:p>
             <a:fld id="{390F5D60-A842-4D08-9D7D-A7A57AB501A2}" type="datetime1">
               <a:rPr lang="en-US" smtClean="0"/>
-              <a:t>11/15/2020</a:t>
+              <a:t>11/16/2020</a:t>
             </a:fld>
             <a:endParaRPr lang="en-US" dirty="0"/>
           </a:p>
@@ -1432,7 +1521,7 @@
           <a:p>
             <a:fld id="{0DF2F1F9-9322-493A-A9EE-BB75692CE5F5}" type="datetime1">
               <a:rPr lang="en-US" smtClean="0"/>
-              <a:t>11/15/2020</a:t>
+              <a:t>11/16/2020</a:t>
             </a:fld>
             <a:endParaRPr lang="en-US" dirty="0"/>
           </a:p>
@@ -1712,7 +1801,7 @@
           <a:p>
             <a:fld id="{7858DE51-4D5E-4D23-8181-86A5B05D5351}" type="datetime1">
               <a:rPr lang="en-US" smtClean="0"/>
-              <a:t>11/15/2020</a:t>
+              <a:t>11/16/2020</a:t>
             </a:fld>
             <a:endParaRPr lang="en-US" dirty="0"/>
           </a:p>
@@ -1982,7 +2071,7 @@
           <a:p>
             <a:fld id="{9C399FCA-87F3-427A-B1A2-15346103C68A}" type="datetime1">
               <a:rPr lang="en-US" smtClean="0"/>
-              <a:t>11/15/2020</a:t>
+              <a:t>11/16/2020</a:t>
             </a:fld>
             <a:endParaRPr lang="en-US" dirty="0"/>
           </a:p>
@@ -2399,7 +2488,7 @@
           <a:p>
             <a:fld id="{693DF709-7E2D-49E6-A629-D8E3363D194F}" type="datetime1">
               <a:rPr lang="en-US" smtClean="0"/>
-              <a:t>11/15/2020</a:t>
+              <a:t>11/16/2020</a:t>
             </a:fld>
             <a:endParaRPr lang="en-US" dirty="0"/>
           </a:p>
@@ -2545,7 +2634,7 @@
           <a:p>
             <a:fld id="{85D0A921-9375-4BAA-A7C2-7975528669FA}" type="datetime1">
               <a:rPr lang="en-US" smtClean="0"/>
-              <a:t>11/15/2020</a:t>
+              <a:t>11/16/2020</a:t>
             </a:fld>
             <a:endParaRPr lang="en-US" dirty="0"/>
           </a:p>
@@ -2663,7 +2752,7 @@
           <a:p>
             <a:fld id="{A5D25425-F285-48AE-A409-A618E3EEA628}" type="datetime1">
               <a:rPr lang="en-US" smtClean="0"/>
-              <a:t>11/15/2020</a:t>
+              <a:t>11/16/2020</a:t>
             </a:fld>
             <a:endParaRPr lang="en-US" dirty="0"/>
           </a:p>
@@ -2979,7 +3068,7 @@
           <a:p>
             <a:fld id="{EB56A94D-7D6A-4378-93F6-A3A33186E34B}" type="datetime1">
               <a:rPr lang="en-US" smtClean="0"/>
-              <a:t>11/15/2020</a:t>
+              <a:t>11/16/2020</a:t>
             </a:fld>
             <a:endParaRPr lang="en-US" dirty="0"/>
           </a:p>
@@ -3275,7 +3364,7 @@
           <a:p>
             <a:fld id="{285FC0F9-687B-4417-9D77-CE2D7AD8C321}" type="datetime1">
               <a:rPr lang="en-US" smtClean="0"/>
-              <a:t>11/15/2020</a:t>
+              <a:t>11/16/2020</a:t>
             </a:fld>
             <a:endParaRPr lang="en-US" dirty="0"/>
           </a:p>
@@ -4312,7 +4401,7 @@
           <a:p>
             <a:fld id="{B32DFD30-2122-4F4A-97B4-D0A849E36C5F}" type="datetime1">
               <a:rPr lang="en-US" smtClean="0"/>
-              <a:t>11/15/2020</a:t>
+              <a:t>11/16/2020</a:t>
             </a:fld>
             <a:endParaRPr lang="en-US" dirty="0"/>
           </a:p>
@@ -4823,7 +4912,7 @@
           <p:nvPr/>
         </p:nvPicPr>
         <p:blipFill rotWithShape="1">
-          <a:blip r:embed="rId2"/>
+          <a:blip r:embed="rId3"/>
           <a:srcRect t="18140" b="25610"/>
           <a:stretch/>
         </p:blipFill>
@@ -5341,7 +5430,7 @@
                   <a:srgbClr val="FFFFFF"/>
                 </a:solidFill>
               </a:rPr>
-              <a:t>Swing</a:t>
+              <a:t>swing</a:t>
             </a:r>
             <a:endParaRPr kumimoji="1" lang="ja-JP" altLang="en-US" dirty="0">
               <a:solidFill>
